--- a/Queimada/ImpactoQueimadas.pptx
+++ b/Queimada/ImpactoQueimadas.pptx
@@ -44881,8 +44881,13 @@
             </a:r>
             <a:r>
               <a:rPr lang="pt-BR" dirty="0"/>
-              <a:t> - 555258</a:t>
+              <a:t> </a:t>
             </a:r>
+            <a:r>
+              <a:rPr lang="pt-BR"/>
+              <a:t>- 555248</a:t>
+            </a:r>
+            <a:endParaRPr lang="pt-BR" dirty="0"/>
           </a:p>
           <a:p>
             <a:pPr marL="0" lvl="0" indent="0" algn="ctr" rtl="0">
